--- a/Reference/Automatic Deployment.pptx
+++ b/Reference/Automatic Deployment.pptx
@@ -36,7 +36,7 @@
       <p:boldItalic r:id="rId19"/>
     </p:embeddedFont>
     <p:embeddedFont>
-      <p:font typeface="Nunito Light" pitchFamily="2" charset="0"/>
+      <p:font typeface="Nunito Light" panose="020F0502020204030204" pitchFamily="2" charset="0"/>
       <p:regular r:id="rId20"/>
       <p:italic r:id="rId21"/>
     </p:embeddedFont>
@@ -17348,7 +17348,7 @@
             </a:r>
             <a:r>
               <a:rPr lang="en-IN" dirty="0"/>
-              <a:t> Mihir Bhavsar - 8022057037</a:t>
+              <a:t> Kaushal Chaudhary (24084301002)</a:t>
             </a:r>
           </a:p>
           <a:p>
@@ -17363,7 +17363,7 @@
             </a:pPr>
             <a:r>
               <a:rPr lang="en-IN" dirty="0"/>
-              <a:t>Company Name: Parkar Digital</a:t>
+              <a:t>Course: M.SC IT IMS</a:t>
             </a:r>
           </a:p>
           <a:p>
@@ -17378,7 +17378,7 @@
             </a:pPr>
             <a:r>
               <a:rPr lang="en-IN" dirty="0"/>
-              <a:t>Role: Cloud Infrastructure Intern</a:t>
+              <a:t>Ganpat University</a:t>
             </a:r>
             <a:endParaRPr dirty="0"/>
           </a:p>
@@ -18549,6 +18549,13 @@
               <a:tailEnd type="none" w="med" len="med"/>
             </a:ln>
           </p:spPr>
+          <p:txBody>
+            <a:bodyPr/>
+            <a:lstStyle/>
+            <a:p>
+              <a:endParaRPr lang="en-IN"/>
+            </a:p>
+          </p:txBody>
         </p:sp>
       </p:grpSp>
     </p:spTree>
@@ -19786,6 +19793,13 @@
               <a:tailEnd type="none" w="med" len="med"/>
             </a:ln>
           </p:spPr>
+          <p:txBody>
+            <a:bodyPr/>
+            <a:lstStyle/>
+            <a:p>
+              <a:endParaRPr lang="en-IN"/>
+            </a:p>
+          </p:txBody>
         </p:sp>
       </p:grpSp>
     </p:spTree>
@@ -21387,13 +21401,13 @@
   <p:clrMapOvr>
     <a:masterClrMapping/>
   </p:clrMapOvr>
-  <mc:AlternateContent xmlns:mc="http://schemas.openxmlformats.org/markup-compatibility/2006">
-    <mc:Choice xmlns:p159="http://schemas.microsoft.com/office/powerpoint/2015/09/main" Requires="p159">
+  <mc:AlternateContent xmlns:mc="http://schemas.openxmlformats.org/markup-compatibility/2006" xmlns:p159="http://schemas.microsoft.com/office/powerpoint/2015/09/main">
+    <mc:Choice Requires="p159">
       <p:transition xmlns:p14="http://schemas.microsoft.com/office/powerpoint/2010/main" spd="slow" p14:dur="2000">
         <p159:morph option="byObject"/>
       </p:transition>
     </mc:Choice>
-    <mc:Fallback>
+    <mc:Fallback xmlns="">
       <p:transition spd="slow">
         <p:fade/>
       </p:transition>
